--- a/ppt 16-9/0908.我们都是神的儿.pptx
+++ b/ppt 16-9/0908.我们都是神的儿.pptx
@@ -129,7 +129,7 @@
           <p:cNvPr id="2" name="标题 1">
             <a:extLst>
               <a:ext uri="{FF2B5EF4-FFF2-40B4-BE49-F238E27FC236}">
-                <a16:creationId xmlns:a16="http://schemas.microsoft.com/office/drawing/2014/main" id="{16032DA4-D439-CA9E-A432-942084211B2D}"/>
+                <a16:creationId xmlns:a16="http://schemas.microsoft.com/office/drawing/2014/main" id="{5E3BCF89-401D-C0EF-64EE-7BB5CA9AC279}"/>
               </a:ext>
             </a:extLst>
           </p:cNvPr>
@@ -166,7 +166,7 @@
           <p:cNvPr id="3" name="副标题 2">
             <a:extLst>
               <a:ext uri="{FF2B5EF4-FFF2-40B4-BE49-F238E27FC236}">
-                <a16:creationId xmlns:a16="http://schemas.microsoft.com/office/drawing/2014/main" id="{C67FE5F5-923E-EEDF-88B5-6D0B0A892BCF}"/>
+                <a16:creationId xmlns:a16="http://schemas.microsoft.com/office/drawing/2014/main" id="{553F0C2E-5548-77C1-233C-DFEB39649CA1}"/>
               </a:ext>
             </a:extLst>
           </p:cNvPr>
@@ -236,7 +236,7 @@
           <p:cNvPr id="4" name="日期占位符 3">
             <a:extLst>
               <a:ext uri="{FF2B5EF4-FFF2-40B4-BE49-F238E27FC236}">
-                <a16:creationId xmlns:a16="http://schemas.microsoft.com/office/drawing/2014/main" id="{71D394C9-54D3-EC5D-DAAC-425A608BE84D}"/>
+                <a16:creationId xmlns:a16="http://schemas.microsoft.com/office/drawing/2014/main" id="{79C08545-BEF6-1754-9E26-22EDA0696CAC}"/>
               </a:ext>
             </a:extLst>
           </p:cNvPr>
@@ -252,7 +252,7 @@
           <a:bodyPr/>
           <a:lstStyle/>
           <a:p>
-            <a:fld id="{1DDBB16F-8B49-4BCA-A44B-073A1A672A47}" type="datetimeFigureOut">
+            <a:fld id="{1ED8277E-B9DE-4E3C-B8D7-9630211A168C}" type="datetimeFigureOut">
               <a:rPr lang="zh-CN" altLang="en-US" smtClean="0"/>
               <a:t>2024/3/10</a:t>
             </a:fld>
@@ -265,7 +265,7 @@
           <p:cNvPr id="5" name="页脚占位符 4">
             <a:extLst>
               <a:ext uri="{FF2B5EF4-FFF2-40B4-BE49-F238E27FC236}">
-                <a16:creationId xmlns:a16="http://schemas.microsoft.com/office/drawing/2014/main" id="{3C06F784-6E82-FD66-7EA6-97A42AD4742A}"/>
+                <a16:creationId xmlns:a16="http://schemas.microsoft.com/office/drawing/2014/main" id="{27DCD5F7-8844-652C-1DD8-51734CAE7F00}"/>
               </a:ext>
             </a:extLst>
           </p:cNvPr>
@@ -290,7 +290,7 @@
           <p:cNvPr id="6" name="灯片编号占位符 5">
             <a:extLst>
               <a:ext uri="{FF2B5EF4-FFF2-40B4-BE49-F238E27FC236}">
-                <a16:creationId xmlns:a16="http://schemas.microsoft.com/office/drawing/2014/main" id="{ADC76FEA-AE9A-5D3D-3C2A-F065D7EBA161}"/>
+                <a16:creationId xmlns:a16="http://schemas.microsoft.com/office/drawing/2014/main" id="{72A88E08-8B03-96C9-1B86-F80EBE361A85}"/>
               </a:ext>
             </a:extLst>
           </p:cNvPr>
@@ -306,7 +306,7 @@
           <a:bodyPr/>
           <a:lstStyle/>
           <a:p>
-            <a:fld id="{9A144469-7D69-4B8F-849F-A73389525775}" type="slidenum">
+            <a:fld id="{3FA56C86-D270-4287-8A30-5136B0F84357}" type="slidenum">
               <a:rPr lang="zh-CN" altLang="en-US" smtClean="0"/>
               <a:t>‹#›</a:t>
             </a:fld>
@@ -317,7 +317,7 @@
     </p:spTree>
     <p:extLst>
       <p:ext uri="{BB962C8B-B14F-4D97-AF65-F5344CB8AC3E}">
-        <p14:creationId xmlns:p14="http://schemas.microsoft.com/office/powerpoint/2010/main" val="794175887"/>
+        <p14:creationId xmlns:p14="http://schemas.microsoft.com/office/powerpoint/2010/main" val="3163580990"/>
       </p:ext>
     </p:extLst>
   </p:cSld>
@@ -349,7 +349,7 @@
           <p:cNvPr id="2" name="标题 1">
             <a:extLst>
               <a:ext uri="{FF2B5EF4-FFF2-40B4-BE49-F238E27FC236}">
-                <a16:creationId xmlns:a16="http://schemas.microsoft.com/office/drawing/2014/main" id="{F3D5542A-6211-C128-43BE-0B3F91E1914A}"/>
+                <a16:creationId xmlns:a16="http://schemas.microsoft.com/office/drawing/2014/main" id="{B4F4CDFD-EAE5-EF64-178D-77D80542C064}"/>
               </a:ext>
             </a:extLst>
           </p:cNvPr>
@@ -377,7 +377,7 @@
           <p:cNvPr id="3" name="竖排文字占位符 2">
             <a:extLst>
               <a:ext uri="{FF2B5EF4-FFF2-40B4-BE49-F238E27FC236}">
-                <a16:creationId xmlns:a16="http://schemas.microsoft.com/office/drawing/2014/main" id="{B95A7E87-C33C-BB94-DF8F-07547E1B4933}"/>
+                <a16:creationId xmlns:a16="http://schemas.microsoft.com/office/drawing/2014/main" id="{A74D6AAA-7110-60D0-7E45-05AAB4E97F88}"/>
               </a:ext>
             </a:extLst>
           </p:cNvPr>
@@ -434,7 +434,7 @@
           <p:cNvPr id="4" name="日期占位符 3">
             <a:extLst>
               <a:ext uri="{FF2B5EF4-FFF2-40B4-BE49-F238E27FC236}">
-                <a16:creationId xmlns:a16="http://schemas.microsoft.com/office/drawing/2014/main" id="{1A6A491F-D328-6D7A-051F-A5A0D0DC77FF}"/>
+                <a16:creationId xmlns:a16="http://schemas.microsoft.com/office/drawing/2014/main" id="{AA0DAE5A-56ED-D97C-6294-0CF9FA32B150}"/>
               </a:ext>
             </a:extLst>
           </p:cNvPr>
@@ -450,7 +450,7 @@
           <a:bodyPr/>
           <a:lstStyle/>
           <a:p>
-            <a:fld id="{1DDBB16F-8B49-4BCA-A44B-073A1A672A47}" type="datetimeFigureOut">
+            <a:fld id="{1ED8277E-B9DE-4E3C-B8D7-9630211A168C}" type="datetimeFigureOut">
               <a:rPr lang="zh-CN" altLang="en-US" smtClean="0"/>
               <a:t>2024/3/10</a:t>
             </a:fld>
@@ -463,7 +463,7 @@
           <p:cNvPr id="5" name="页脚占位符 4">
             <a:extLst>
               <a:ext uri="{FF2B5EF4-FFF2-40B4-BE49-F238E27FC236}">
-                <a16:creationId xmlns:a16="http://schemas.microsoft.com/office/drawing/2014/main" id="{86D7B228-8E77-7FA2-7944-29EC9570812E}"/>
+                <a16:creationId xmlns:a16="http://schemas.microsoft.com/office/drawing/2014/main" id="{1BC7AC2B-FEAC-A475-6BE7-6A9DE8BB638F}"/>
               </a:ext>
             </a:extLst>
           </p:cNvPr>
@@ -488,7 +488,7 @@
           <p:cNvPr id="6" name="灯片编号占位符 5">
             <a:extLst>
               <a:ext uri="{FF2B5EF4-FFF2-40B4-BE49-F238E27FC236}">
-                <a16:creationId xmlns:a16="http://schemas.microsoft.com/office/drawing/2014/main" id="{38092DB8-56F1-8442-F0DA-EC58D7C78745}"/>
+                <a16:creationId xmlns:a16="http://schemas.microsoft.com/office/drawing/2014/main" id="{D20CF445-AE5B-5F0A-4694-B6C5BEA46667}"/>
               </a:ext>
             </a:extLst>
           </p:cNvPr>
@@ -504,7 +504,7 @@
           <a:bodyPr/>
           <a:lstStyle/>
           <a:p>
-            <a:fld id="{9A144469-7D69-4B8F-849F-A73389525775}" type="slidenum">
+            <a:fld id="{3FA56C86-D270-4287-8A30-5136B0F84357}" type="slidenum">
               <a:rPr lang="zh-CN" altLang="en-US" smtClean="0"/>
               <a:t>‹#›</a:t>
             </a:fld>
@@ -515,7 +515,7 @@
     </p:spTree>
     <p:extLst>
       <p:ext uri="{BB962C8B-B14F-4D97-AF65-F5344CB8AC3E}">
-        <p14:creationId xmlns:p14="http://schemas.microsoft.com/office/powerpoint/2010/main" val="2758496865"/>
+        <p14:creationId xmlns:p14="http://schemas.microsoft.com/office/powerpoint/2010/main" val="1503932806"/>
       </p:ext>
     </p:extLst>
   </p:cSld>
@@ -547,7 +547,7 @@
           <p:cNvPr id="2" name="竖排标题 1">
             <a:extLst>
               <a:ext uri="{FF2B5EF4-FFF2-40B4-BE49-F238E27FC236}">
-                <a16:creationId xmlns:a16="http://schemas.microsoft.com/office/drawing/2014/main" id="{508E8D2E-5C6C-DA16-6126-D53DD82EEB48}"/>
+                <a16:creationId xmlns:a16="http://schemas.microsoft.com/office/drawing/2014/main" id="{32FF2AF1-C21A-9A51-8C15-05A6AE07BCD2}"/>
               </a:ext>
             </a:extLst>
           </p:cNvPr>
@@ -580,7 +580,7 @@
           <p:cNvPr id="3" name="竖排文字占位符 2">
             <a:extLst>
               <a:ext uri="{FF2B5EF4-FFF2-40B4-BE49-F238E27FC236}">
-                <a16:creationId xmlns:a16="http://schemas.microsoft.com/office/drawing/2014/main" id="{9937EB9F-53EF-1399-3F62-F72AB36F88BA}"/>
+                <a16:creationId xmlns:a16="http://schemas.microsoft.com/office/drawing/2014/main" id="{F6D5D287-3EBE-21F4-E7D4-B0D45897F069}"/>
               </a:ext>
             </a:extLst>
           </p:cNvPr>
@@ -642,7 +642,7 @@
           <p:cNvPr id="4" name="日期占位符 3">
             <a:extLst>
               <a:ext uri="{FF2B5EF4-FFF2-40B4-BE49-F238E27FC236}">
-                <a16:creationId xmlns:a16="http://schemas.microsoft.com/office/drawing/2014/main" id="{B634ACF4-80D6-1849-49C6-BF0F9C3C3C81}"/>
+                <a16:creationId xmlns:a16="http://schemas.microsoft.com/office/drawing/2014/main" id="{F13BEF48-544F-AB16-754E-4CA0F66A4AE1}"/>
               </a:ext>
             </a:extLst>
           </p:cNvPr>
@@ -658,7 +658,7 @@
           <a:bodyPr/>
           <a:lstStyle/>
           <a:p>
-            <a:fld id="{1DDBB16F-8B49-4BCA-A44B-073A1A672A47}" type="datetimeFigureOut">
+            <a:fld id="{1ED8277E-B9DE-4E3C-B8D7-9630211A168C}" type="datetimeFigureOut">
               <a:rPr lang="zh-CN" altLang="en-US" smtClean="0"/>
               <a:t>2024/3/10</a:t>
             </a:fld>
@@ -671,7 +671,7 @@
           <p:cNvPr id="5" name="页脚占位符 4">
             <a:extLst>
               <a:ext uri="{FF2B5EF4-FFF2-40B4-BE49-F238E27FC236}">
-                <a16:creationId xmlns:a16="http://schemas.microsoft.com/office/drawing/2014/main" id="{2D6D92A2-3F51-3A8C-DEA1-310335829D1C}"/>
+                <a16:creationId xmlns:a16="http://schemas.microsoft.com/office/drawing/2014/main" id="{8061E2D0-AC8E-97E1-4D89-DB80F2440101}"/>
               </a:ext>
             </a:extLst>
           </p:cNvPr>
@@ -696,7 +696,7 @@
           <p:cNvPr id="6" name="灯片编号占位符 5">
             <a:extLst>
               <a:ext uri="{FF2B5EF4-FFF2-40B4-BE49-F238E27FC236}">
-                <a16:creationId xmlns:a16="http://schemas.microsoft.com/office/drawing/2014/main" id="{131082CC-78E6-D11F-ECBF-2DA8D9E5D619}"/>
+                <a16:creationId xmlns:a16="http://schemas.microsoft.com/office/drawing/2014/main" id="{4FFE4A9B-A267-2B27-EA00-26DD0CF03561}"/>
               </a:ext>
             </a:extLst>
           </p:cNvPr>
@@ -712,7 +712,7 @@
           <a:bodyPr/>
           <a:lstStyle/>
           <a:p>
-            <a:fld id="{9A144469-7D69-4B8F-849F-A73389525775}" type="slidenum">
+            <a:fld id="{3FA56C86-D270-4287-8A30-5136B0F84357}" type="slidenum">
               <a:rPr lang="zh-CN" altLang="en-US" smtClean="0"/>
               <a:t>‹#›</a:t>
             </a:fld>
@@ -723,7 +723,7 @@
     </p:spTree>
     <p:extLst>
       <p:ext uri="{BB962C8B-B14F-4D97-AF65-F5344CB8AC3E}">
-        <p14:creationId xmlns:p14="http://schemas.microsoft.com/office/powerpoint/2010/main" val="3489365541"/>
+        <p14:creationId xmlns:p14="http://schemas.microsoft.com/office/powerpoint/2010/main" val="321925813"/>
       </p:ext>
     </p:extLst>
   </p:cSld>
@@ -755,7 +755,7 @@
           <p:cNvPr id="2" name="标题 1">
             <a:extLst>
               <a:ext uri="{FF2B5EF4-FFF2-40B4-BE49-F238E27FC236}">
-                <a16:creationId xmlns:a16="http://schemas.microsoft.com/office/drawing/2014/main" id="{B119997A-5A22-8E72-419D-B8903E41EF46}"/>
+                <a16:creationId xmlns:a16="http://schemas.microsoft.com/office/drawing/2014/main" id="{EE7A959C-C12C-4B00-6B32-E4AAF5F74D07}"/>
               </a:ext>
             </a:extLst>
           </p:cNvPr>
@@ -783,7 +783,7 @@
           <p:cNvPr id="3" name="内容占位符 2">
             <a:extLst>
               <a:ext uri="{FF2B5EF4-FFF2-40B4-BE49-F238E27FC236}">
-                <a16:creationId xmlns:a16="http://schemas.microsoft.com/office/drawing/2014/main" id="{AB9A0BDD-E436-9CE9-984B-0713FB6DAF96}"/>
+                <a16:creationId xmlns:a16="http://schemas.microsoft.com/office/drawing/2014/main" id="{C60CCAA0-FC31-90D7-1191-88ABDC35B4B0}"/>
               </a:ext>
             </a:extLst>
           </p:cNvPr>
@@ -840,7 +840,7 @@
           <p:cNvPr id="4" name="日期占位符 3">
             <a:extLst>
               <a:ext uri="{FF2B5EF4-FFF2-40B4-BE49-F238E27FC236}">
-                <a16:creationId xmlns:a16="http://schemas.microsoft.com/office/drawing/2014/main" id="{4148FF0E-3053-442D-74FA-BD9F4A228364}"/>
+                <a16:creationId xmlns:a16="http://schemas.microsoft.com/office/drawing/2014/main" id="{D98ABE7D-9451-E1DD-B6B0-E916BF6836C5}"/>
               </a:ext>
             </a:extLst>
           </p:cNvPr>
@@ -856,7 +856,7 @@
           <a:bodyPr/>
           <a:lstStyle/>
           <a:p>
-            <a:fld id="{1DDBB16F-8B49-4BCA-A44B-073A1A672A47}" type="datetimeFigureOut">
+            <a:fld id="{1ED8277E-B9DE-4E3C-B8D7-9630211A168C}" type="datetimeFigureOut">
               <a:rPr lang="zh-CN" altLang="en-US" smtClean="0"/>
               <a:t>2024/3/10</a:t>
             </a:fld>
@@ -869,7 +869,7 @@
           <p:cNvPr id="5" name="页脚占位符 4">
             <a:extLst>
               <a:ext uri="{FF2B5EF4-FFF2-40B4-BE49-F238E27FC236}">
-                <a16:creationId xmlns:a16="http://schemas.microsoft.com/office/drawing/2014/main" id="{ED22AC72-3270-B9CA-F3E3-FE94CB1702D7}"/>
+                <a16:creationId xmlns:a16="http://schemas.microsoft.com/office/drawing/2014/main" id="{60F5B861-F922-E283-45B3-8494BC00D4D9}"/>
               </a:ext>
             </a:extLst>
           </p:cNvPr>
@@ -894,7 +894,7 @@
           <p:cNvPr id="6" name="灯片编号占位符 5">
             <a:extLst>
               <a:ext uri="{FF2B5EF4-FFF2-40B4-BE49-F238E27FC236}">
-                <a16:creationId xmlns:a16="http://schemas.microsoft.com/office/drawing/2014/main" id="{AD528525-93BD-DEC2-E0B8-9978D0B38B47}"/>
+                <a16:creationId xmlns:a16="http://schemas.microsoft.com/office/drawing/2014/main" id="{25F65E42-7E53-33C9-CB6D-5F0A3D1AB909}"/>
               </a:ext>
             </a:extLst>
           </p:cNvPr>
@@ -910,7 +910,7 @@
           <a:bodyPr/>
           <a:lstStyle/>
           <a:p>
-            <a:fld id="{9A144469-7D69-4B8F-849F-A73389525775}" type="slidenum">
+            <a:fld id="{3FA56C86-D270-4287-8A30-5136B0F84357}" type="slidenum">
               <a:rPr lang="zh-CN" altLang="en-US" smtClean="0"/>
               <a:t>‹#›</a:t>
             </a:fld>
@@ -921,7 +921,7 @@
     </p:spTree>
     <p:extLst>
       <p:ext uri="{BB962C8B-B14F-4D97-AF65-F5344CB8AC3E}">
-        <p14:creationId xmlns:p14="http://schemas.microsoft.com/office/powerpoint/2010/main" val="2308215811"/>
+        <p14:creationId xmlns:p14="http://schemas.microsoft.com/office/powerpoint/2010/main" val="2243976222"/>
       </p:ext>
     </p:extLst>
   </p:cSld>
@@ -953,7 +953,7 @@
           <p:cNvPr id="2" name="标题 1">
             <a:extLst>
               <a:ext uri="{FF2B5EF4-FFF2-40B4-BE49-F238E27FC236}">
-                <a16:creationId xmlns:a16="http://schemas.microsoft.com/office/drawing/2014/main" id="{E5B159A3-2417-8762-2727-6DC307EC1863}"/>
+                <a16:creationId xmlns:a16="http://schemas.microsoft.com/office/drawing/2014/main" id="{8A98E716-F3B1-FEAB-AB72-CD4B47E33A34}"/>
               </a:ext>
             </a:extLst>
           </p:cNvPr>
@@ -990,7 +990,7 @@
           <p:cNvPr id="3" name="文本占位符 2">
             <a:extLst>
               <a:ext uri="{FF2B5EF4-FFF2-40B4-BE49-F238E27FC236}">
-                <a16:creationId xmlns:a16="http://schemas.microsoft.com/office/drawing/2014/main" id="{2CE42F55-492B-F6C9-47F2-6E14A666FC34}"/>
+                <a16:creationId xmlns:a16="http://schemas.microsoft.com/office/drawing/2014/main" id="{2CCDD1F3-9E65-83AE-17DE-3BD9C162B9C8}"/>
               </a:ext>
             </a:extLst>
           </p:cNvPr>
@@ -1115,7 +1115,7 @@
           <p:cNvPr id="4" name="日期占位符 3">
             <a:extLst>
               <a:ext uri="{FF2B5EF4-FFF2-40B4-BE49-F238E27FC236}">
-                <a16:creationId xmlns:a16="http://schemas.microsoft.com/office/drawing/2014/main" id="{00F00674-98AD-3854-2CAA-8EB2E993B553}"/>
+                <a16:creationId xmlns:a16="http://schemas.microsoft.com/office/drawing/2014/main" id="{75639612-3256-D5EE-316D-42F6A7886088}"/>
               </a:ext>
             </a:extLst>
           </p:cNvPr>
@@ -1131,7 +1131,7 @@
           <a:bodyPr/>
           <a:lstStyle/>
           <a:p>
-            <a:fld id="{1DDBB16F-8B49-4BCA-A44B-073A1A672A47}" type="datetimeFigureOut">
+            <a:fld id="{1ED8277E-B9DE-4E3C-B8D7-9630211A168C}" type="datetimeFigureOut">
               <a:rPr lang="zh-CN" altLang="en-US" smtClean="0"/>
               <a:t>2024/3/10</a:t>
             </a:fld>
@@ -1144,7 +1144,7 @@
           <p:cNvPr id="5" name="页脚占位符 4">
             <a:extLst>
               <a:ext uri="{FF2B5EF4-FFF2-40B4-BE49-F238E27FC236}">
-                <a16:creationId xmlns:a16="http://schemas.microsoft.com/office/drawing/2014/main" id="{46BB7303-5070-4079-B19D-D932DF9FDD36}"/>
+                <a16:creationId xmlns:a16="http://schemas.microsoft.com/office/drawing/2014/main" id="{AAC22363-47F1-2399-614C-018D6B55E714}"/>
               </a:ext>
             </a:extLst>
           </p:cNvPr>
@@ -1169,7 +1169,7 @@
           <p:cNvPr id="6" name="灯片编号占位符 5">
             <a:extLst>
               <a:ext uri="{FF2B5EF4-FFF2-40B4-BE49-F238E27FC236}">
-                <a16:creationId xmlns:a16="http://schemas.microsoft.com/office/drawing/2014/main" id="{9D595065-085D-C30D-D475-1997EDF4B157}"/>
+                <a16:creationId xmlns:a16="http://schemas.microsoft.com/office/drawing/2014/main" id="{8A87ADAB-5937-D7FF-E2AA-026C6C1CACE0}"/>
               </a:ext>
             </a:extLst>
           </p:cNvPr>
@@ -1185,7 +1185,7 @@
           <a:bodyPr/>
           <a:lstStyle/>
           <a:p>
-            <a:fld id="{9A144469-7D69-4B8F-849F-A73389525775}" type="slidenum">
+            <a:fld id="{3FA56C86-D270-4287-8A30-5136B0F84357}" type="slidenum">
               <a:rPr lang="zh-CN" altLang="en-US" smtClean="0"/>
               <a:t>‹#›</a:t>
             </a:fld>
@@ -1196,7 +1196,7 @@
     </p:spTree>
     <p:extLst>
       <p:ext uri="{BB962C8B-B14F-4D97-AF65-F5344CB8AC3E}">
-        <p14:creationId xmlns:p14="http://schemas.microsoft.com/office/powerpoint/2010/main" val="1076589196"/>
+        <p14:creationId xmlns:p14="http://schemas.microsoft.com/office/powerpoint/2010/main" val="3086155430"/>
       </p:ext>
     </p:extLst>
   </p:cSld>
@@ -1228,7 +1228,7 @@
           <p:cNvPr id="2" name="标题 1">
             <a:extLst>
               <a:ext uri="{FF2B5EF4-FFF2-40B4-BE49-F238E27FC236}">
-                <a16:creationId xmlns:a16="http://schemas.microsoft.com/office/drawing/2014/main" id="{D448C358-BD73-1972-B17B-A9904669D089}"/>
+                <a16:creationId xmlns:a16="http://schemas.microsoft.com/office/drawing/2014/main" id="{3EE8FBFC-8364-27C6-1374-C8FB4100AD26}"/>
               </a:ext>
             </a:extLst>
           </p:cNvPr>
@@ -1256,7 +1256,7 @@
           <p:cNvPr id="3" name="内容占位符 2">
             <a:extLst>
               <a:ext uri="{FF2B5EF4-FFF2-40B4-BE49-F238E27FC236}">
-                <a16:creationId xmlns:a16="http://schemas.microsoft.com/office/drawing/2014/main" id="{B71F4A37-4423-AF9A-EBD9-48C0A6CBD338}"/>
+                <a16:creationId xmlns:a16="http://schemas.microsoft.com/office/drawing/2014/main" id="{7CCBDF00-CC5E-C857-0AF4-391FA1B77D8F}"/>
               </a:ext>
             </a:extLst>
           </p:cNvPr>
@@ -1318,7 +1318,7 @@
           <p:cNvPr id="4" name="内容占位符 3">
             <a:extLst>
               <a:ext uri="{FF2B5EF4-FFF2-40B4-BE49-F238E27FC236}">
-                <a16:creationId xmlns:a16="http://schemas.microsoft.com/office/drawing/2014/main" id="{093E0C16-E22F-C2A0-5417-440B031CA903}"/>
+                <a16:creationId xmlns:a16="http://schemas.microsoft.com/office/drawing/2014/main" id="{142FD182-2224-A883-9A69-4A63815D1FB1}"/>
               </a:ext>
             </a:extLst>
           </p:cNvPr>
@@ -1380,7 +1380,7 @@
           <p:cNvPr id="5" name="日期占位符 4">
             <a:extLst>
               <a:ext uri="{FF2B5EF4-FFF2-40B4-BE49-F238E27FC236}">
-                <a16:creationId xmlns:a16="http://schemas.microsoft.com/office/drawing/2014/main" id="{83EB979D-6C97-8720-76B7-D85A1326D05A}"/>
+                <a16:creationId xmlns:a16="http://schemas.microsoft.com/office/drawing/2014/main" id="{5B88C7E3-221B-291B-AAB6-1081B5D3119F}"/>
               </a:ext>
             </a:extLst>
           </p:cNvPr>
@@ -1396,7 +1396,7 @@
           <a:bodyPr/>
           <a:lstStyle/>
           <a:p>
-            <a:fld id="{1DDBB16F-8B49-4BCA-A44B-073A1A672A47}" type="datetimeFigureOut">
+            <a:fld id="{1ED8277E-B9DE-4E3C-B8D7-9630211A168C}" type="datetimeFigureOut">
               <a:rPr lang="zh-CN" altLang="en-US" smtClean="0"/>
               <a:t>2024/3/10</a:t>
             </a:fld>
@@ -1409,7 +1409,7 @@
           <p:cNvPr id="6" name="页脚占位符 5">
             <a:extLst>
               <a:ext uri="{FF2B5EF4-FFF2-40B4-BE49-F238E27FC236}">
-                <a16:creationId xmlns:a16="http://schemas.microsoft.com/office/drawing/2014/main" id="{C95DDE37-37E7-3F84-78EF-AB149BAB18EB}"/>
+                <a16:creationId xmlns:a16="http://schemas.microsoft.com/office/drawing/2014/main" id="{635E02D0-CF14-EE3A-0461-819C8A1E8C0B}"/>
               </a:ext>
             </a:extLst>
           </p:cNvPr>
@@ -1434,7 +1434,7 @@
           <p:cNvPr id="7" name="灯片编号占位符 6">
             <a:extLst>
               <a:ext uri="{FF2B5EF4-FFF2-40B4-BE49-F238E27FC236}">
-                <a16:creationId xmlns:a16="http://schemas.microsoft.com/office/drawing/2014/main" id="{2344D17B-791B-EBDE-FCD4-C2FC7D06F066}"/>
+                <a16:creationId xmlns:a16="http://schemas.microsoft.com/office/drawing/2014/main" id="{903F16C3-737D-9DB8-3CDF-802050AE8433}"/>
               </a:ext>
             </a:extLst>
           </p:cNvPr>
@@ -1450,7 +1450,7 @@
           <a:bodyPr/>
           <a:lstStyle/>
           <a:p>
-            <a:fld id="{9A144469-7D69-4B8F-849F-A73389525775}" type="slidenum">
+            <a:fld id="{3FA56C86-D270-4287-8A30-5136B0F84357}" type="slidenum">
               <a:rPr lang="zh-CN" altLang="en-US" smtClean="0"/>
               <a:t>‹#›</a:t>
             </a:fld>
@@ -1461,7 +1461,7 @@
     </p:spTree>
     <p:extLst>
       <p:ext uri="{BB962C8B-B14F-4D97-AF65-F5344CB8AC3E}">
-        <p14:creationId xmlns:p14="http://schemas.microsoft.com/office/powerpoint/2010/main" val="3874495262"/>
+        <p14:creationId xmlns:p14="http://schemas.microsoft.com/office/powerpoint/2010/main" val="3457635089"/>
       </p:ext>
     </p:extLst>
   </p:cSld>
@@ -1493,7 +1493,7 @@
           <p:cNvPr id="2" name="标题 1">
             <a:extLst>
               <a:ext uri="{FF2B5EF4-FFF2-40B4-BE49-F238E27FC236}">
-                <a16:creationId xmlns:a16="http://schemas.microsoft.com/office/drawing/2014/main" id="{20E0BA7E-6CEF-D65A-363B-BF64E13673D9}"/>
+                <a16:creationId xmlns:a16="http://schemas.microsoft.com/office/drawing/2014/main" id="{6D5CCDFA-7407-08D1-5BF0-1305357F93C3}"/>
               </a:ext>
             </a:extLst>
           </p:cNvPr>
@@ -1526,7 +1526,7 @@
           <p:cNvPr id="3" name="文本占位符 2">
             <a:extLst>
               <a:ext uri="{FF2B5EF4-FFF2-40B4-BE49-F238E27FC236}">
-                <a16:creationId xmlns:a16="http://schemas.microsoft.com/office/drawing/2014/main" id="{62BEE5D4-31FE-BC38-1E38-46F5E1D62EE1}"/>
+                <a16:creationId xmlns:a16="http://schemas.microsoft.com/office/drawing/2014/main" id="{AA85484E-7CA4-1E0B-5788-836C9D563ABE}"/>
               </a:ext>
             </a:extLst>
           </p:cNvPr>
@@ -1597,7 +1597,7 @@
           <p:cNvPr id="4" name="内容占位符 3">
             <a:extLst>
               <a:ext uri="{FF2B5EF4-FFF2-40B4-BE49-F238E27FC236}">
-                <a16:creationId xmlns:a16="http://schemas.microsoft.com/office/drawing/2014/main" id="{98D80CD2-41B7-8A35-8EED-98A209D64D5D}"/>
+                <a16:creationId xmlns:a16="http://schemas.microsoft.com/office/drawing/2014/main" id="{0173E9C9-2AF9-838D-5401-096A2840F482}"/>
               </a:ext>
             </a:extLst>
           </p:cNvPr>
@@ -1659,7 +1659,7 @@
           <p:cNvPr id="5" name="文本占位符 4">
             <a:extLst>
               <a:ext uri="{FF2B5EF4-FFF2-40B4-BE49-F238E27FC236}">
-                <a16:creationId xmlns:a16="http://schemas.microsoft.com/office/drawing/2014/main" id="{EFC74B63-A613-A401-8E05-A0F5009B7D98}"/>
+                <a16:creationId xmlns:a16="http://schemas.microsoft.com/office/drawing/2014/main" id="{E2C0064A-E59A-4250-212C-DC6A8D43DA6E}"/>
               </a:ext>
             </a:extLst>
           </p:cNvPr>
@@ -1730,7 +1730,7 @@
           <p:cNvPr id="6" name="内容占位符 5">
             <a:extLst>
               <a:ext uri="{FF2B5EF4-FFF2-40B4-BE49-F238E27FC236}">
-                <a16:creationId xmlns:a16="http://schemas.microsoft.com/office/drawing/2014/main" id="{3D52E3C6-64B8-7009-2A84-FE87CD1F0025}"/>
+                <a16:creationId xmlns:a16="http://schemas.microsoft.com/office/drawing/2014/main" id="{320983BE-6B95-166F-8D41-CF8A78618E3A}"/>
               </a:ext>
             </a:extLst>
           </p:cNvPr>
@@ -1792,7 +1792,7 @@
           <p:cNvPr id="7" name="日期占位符 6">
             <a:extLst>
               <a:ext uri="{FF2B5EF4-FFF2-40B4-BE49-F238E27FC236}">
-                <a16:creationId xmlns:a16="http://schemas.microsoft.com/office/drawing/2014/main" id="{B872D427-373C-0CDC-E9F5-94BF0F197BFC}"/>
+                <a16:creationId xmlns:a16="http://schemas.microsoft.com/office/drawing/2014/main" id="{D16EEA42-2674-3FF4-49AC-F78625FB989E}"/>
               </a:ext>
             </a:extLst>
           </p:cNvPr>
@@ -1808,7 +1808,7 @@
           <a:bodyPr/>
           <a:lstStyle/>
           <a:p>
-            <a:fld id="{1DDBB16F-8B49-4BCA-A44B-073A1A672A47}" type="datetimeFigureOut">
+            <a:fld id="{1ED8277E-B9DE-4E3C-B8D7-9630211A168C}" type="datetimeFigureOut">
               <a:rPr lang="zh-CN" altLang="en-US" smtClean="0"/>
               <a:t>2024/3/10</a:t>
             </a:fld>
@@ -1821,7 +1821,7 @@
           <p:cNvPr id="8" name="页脚占位符 7">
             <a:extLst>
               <a:ext uri="{FF2B5EF4-FFF2-40B4-BE49-F238E27FC236}">
-                <a16:creationId xmlns:a16="http://schemas.microsoft.com/office/drawing/2014/main" id="{9E90DEFD-10BF-53B8-91C0-EF1FE5049C3B}"/>
+                <a16:creationId xmlns:a16="http://schemas.microsoft.com/office/drawing/2014/main" id="{5749581B-BA42-7504-887A-0825943C9D5A}"/>
               </a:ext>
             </a:extLst>
           </p:cNvPr>
@@ -1846,7 +1846,7 @@
           <p:cNvPr id="9" name="灯片编号占位符 8">
             <a:extLst>
               <a:ext uri="{FF2B5EF4-FFF2-40B4-BE49-F238E27FC236}">
-                <a16:creationId xmlns:a16="http://schemas.microsoft.com/office/drawing/2014/main" id="{04B5E3C6-4F34-BCA5-C332-08EE08A579DD}"/>
+                <a16:creationId xmlns:a16="http://schemas.microsoft.com/office/drawing/2014/main" id="{FB46011A-34CB-6ED6-C722-1B9E2186C026}"/>
               </a:ext>
             </a:extLst>
           </p:cNvPr>
@@ -1862,7 +1862,7 @@
           <a:bodyPr/>
           <a:lstStyle/>
           <a:p>
-            <a:fld id="{9A144469-7D69-4B8F-849F-A73389525775}" type="slidenum">
+            <a:fld id="{3FA56C86-D270-4287-8A30-5136B0F84357}" type="slidenum">
               <a:rPr lang="zh-CN" altLang="en-US" smtClean="0"/>
               <a:t>‹#›</a:t>
             </a:fld>
@@ -1873,7 +1873,7 @@
     </p:spTree>
     <p:extLst>
       <p:ext uri="{BB962C8B-B14F-4D97-AF65-F5344CB8AC3E}">
-        <p14:creationId xmlns:p14="http://schemas.microsoft.com/office/powerpoint/2010/main" val="3148793035"/>
+        <p14:creationId xmlns:p14="http://schemas.microsoft.com/office/powerpoint/2010/main" val="2488799618"/>
       </p:ext>
     </p:extLst>
   </p:cSld>
@@ -1905,7 +1905,7 @@
           <p:cNvPr id="2" name="标题 1">
             <a:extLst>
               <a:ext uri="{FF2B5EF4-FFF2-40B4-BE49-F238E27FC236}">
-                <a16:creationId xmlns:a16="http://schemas.microsoft.com/office/drawing/2014/main" id="{0EF42659-FF90-DCB8-31B4-1884A4AE23B6}"/>
+                <a16:creationId xmlns:a16="http://schemas.microsoft.com/office/drawing/2014/main" id="{6C60EDB6-77F9-B31B-67F7-058681885681}"/>
               </a:ext>
             </a:extLst>
           </p:cNvPr>
@@ -1933,7 +1933,7 @@
           <p:cNvPr id="3" name="日期占位符 2">
             <a:extLst>
               <a:ext uri="{FF2B5EF4-FFF2-40B4-BE49-F238E27FC236}">
-                <a16:creationId xmlns:a16="http://schemas.microsoft.com/office/drawing/2014/main" id="{92644E7F-ADDD-207A-FFAD-E0EEDB5F6C97}"/>
+                <a16:creationId xmlns:a16="http://schemas.microsoft.com/office/drawing/2014/main" id="{8A740438-7790-5E68-4DE7-F566EBAE95EA}"/>
               </a:ext>
             </a:extLst>
           </p:cNvPr>
@@ -1949,7 +1949,7 @@
           <a:bodyPr/>
           <a:lstStyle/>
           <a:p>
-            <a:fld id="{1DDBB16F-8B49-4BCA-A44B-073A1A672A47}" type="datetimeFigureOut">
+            <a:fld id="{1ED8277E-B9DE-4E3C-B8D7-9630211A168C}" type="datetimeFigureOut">
               <a:rPr lang="zh-CN" altLang="en-US" smtClean="0"/>
               <a:t>2024/3/10</a:t>
             </a:fld>
@@ -1962,7 +1962,7 @@
           <p:cNvPr id="4" name="页脚占位符 3">
             <a:extLst>
               <a:ext uri="{FF2B5EF4-FFF2-40B4-BE49-F238E27FC236}">
-                <a16:creationId xmlns:a16="http://schemas.microsoft.com/office/drawing/2014/main" id="{C46A7F47-E4E9-75AF-5C27-8A4E641514C6}"/>
+                <a16:creationId xmlns:a16="http://schemas.microsoft.com/office/drawing/2014/main" id="{C5CB8B52-D080-F637-3D90-067B3378B723}"/>
               </a:ext>
             </a:extLst>
           </p:cNvPr>
@@ -1987,7 +1987,7 @@
           <p:cNvPr id="5" name="灯片编号占位符 4">
             <a:extLst>
               <a:ext uri="{FF2B5EF4-FFF2-40B4-BE49-F238E27FC236}">
-                <a16:creationId xmlns:a16="http://schemas.microsoft.com/office/drawing/2014/main" id="{B08CE603-859A-F805-BB97-A4C3278495E2}"/>
+                <a16:creationId xmlns:a16="http://schemas.microsoft.com/office/drawing/2014/main" id="{92ABDDCE-D577-B95F-364D-4700CD0A133A}"/>
               </a:ext>
             </a:extLst>
           </p:cNvPr>
@@ -2003,7 +2003,7 @@
           <a:bodyPr/>
           <a:lstStyle/>
           <a:p>
-            <a:fld id="{9A144469-7D69-4B8F-849F-A73389525775}" type="slidenum">
+            <a:fld id="{3FA56C86-D270-4287-8A30-5136B0F84357}" type="slidenum">
               <a:rPr lang="zh-CN" altLang="en-US" smtClean="0"/>
               <a:t>‹#›</a:t>
             </a:fld>
@@ -2014,7 +2014,7 @@
     </p:spTree>
     <p:extLst>
       <p:ext uri="{BB962C8B-B14F-4D97-AF65-F5344CB8AC3E}">
-        <p14:creationId xmlns:p14="http://schemas.microsoft.com/office/powerpoint/2010/main" val="3575318807"/>
+        <p14:creationId xmlns:p14="http://schemas.microsoft.com/office/powerpoint/2010/main" val="2800000275"/>
       </p:ext>
     </p:extLst>
   </p:cSld>
@@ -2046,7 +2046,7 @@
           <p:cNvPr id="2" name="日期占位符 1">
             <a:extLst>
               <a:ext uri="{FF2B5EF4-FFF2-40B4-BE49-F238E27FC236}">
-                <a16:creationId xmlns:a16="http://schemas.microsoft.com/office/drawing/2014/main" id="{F5DC1CC0-41D9-B2B4-4405-912C9CD2A457}"/>
+                <a16:creationId xmlns:a16="http://schemas.microsoft.com/office/drawing/2014/main" id="{50A51263-BC94-9919-2697-FBFEADB7D2E9}"/>
               </a:ext>
             </a:extLst>
           </p:cNvPr>
@@ -2062,7 +2062,7 @@
           <a:bodyPr/>
           <a:lstStyle/>
           <a:p>
-            <a:fld id="{1DDBB16F-8B49-4BCA-A44B-073A1A672A47}" type="datetimeFigureOut">
+            <a:fld id="{1ED8277E-B9DE-4E3C-B8D7-9630211A168C}" type="datetimeFigureOut">
               <a:rPr lang="zh-CN" altLang="en-US" smtClean="0"/>
               <a:t>2024/3/10</a:t>
             </a:fld>
@@ -2075,7 +2075,7 @@
           <p:cNvPr id="3" name="页脚占位符 2">
             <a:extLst>
               <a:ext uri="{FF2B5EF4-FFF2-40B4-BE49-F238E27FC236}">
-                <a16:creationId xmlns:a16="http://schemas.microsoft.com/office/drawing/2014/main" id="{4F40B8B5-FE40-9E11-4A8C-3CD56313608E}"/>
+                <a16:creationId xmlns:a16="http://schemas.microsoft.com/office/drawing/2014/main" id="{AA77F7B1-7CDE-EE19-3597-F63CDCF304C0}"/>
               </a:ext>
             </a:extLst>
           </p:cNvPr>
@@ -2100,7 +2100,7 @@
           <p:cNvPr id="4" name="灯片编号占位符 3">
             <a:extLst>
               <a:ext uri="{FF2B5EF4-FFF2-40B4-BE49-F238E27FC236}">
-                <a16:creationId xmlns:a16="http://schemas.microsoft.com/office/drawing/2014/main" id="{3E1A8611-4A21-4470-393C-4A8FA759F4C7}"/>
+                <a16:creationId xmlns:a16="http://schemas.microsoft.com/office/drawing/2014/main" id="{AD99DE00-A970-044D-0DBC-2A1013696474}"/>
               </a:ext>
             </a:extLst>
           </p:cNvPr>
@@ -2116,7 +2116,7 @@
           <a:bodyPr/>
           <a:lstStyle/>
           <a:p>
-            <a:fld id="{9A144469-7D69-4B8F-849F-A73389525775}" type="slidenum">
+            <a:fld id="{3FA56C86-D270-4287-8A30-5136B0F84357}" type="slidenum">
               <a:rPr lang="zh-CN" altLang="en-US" smtClean="0"/>
               <a:t>‹#›</a:t>
             </a:fld>
@@ -2127,7 +2127,7 @@
     </p:spTree>
     <p:extLst>
       <p:ext uri="{BB962C8B-B14F-4D97-AF65-F5344CB8AC3E}">
-        <p14:creationId xmlns:p14="http://schemas.microsoft.com/office/powerpoint/2010/main" val="3987716980"/>
+        <p14:creationId xmlns:p14="http://schemas.microsoft.com/office/powerpoint/2010/main" val="1788390802"/>
       </p:ext>
     </p:extLst>
   </p:cSld>
@@ -2159,7 +2159,7 @@
           <p:cNvPr id="2" name="标题 1">
             <a:extLst>
               <a:ext uri="{FF2B5EF4-FFF2-40B4-BE49-F238E27FC236}">
-                <a16:creationId xmlns:a16="http://schemas.microsoft.com/office/drawing/2014/main" id="{8739A8B9-2652-BE76-9313-CC4770CC0D00}"/>
+                <a16:creationId xmlns:a16="http://schemas.microsoft.com/office/drawing/2014/main" id="{D5420402-C663-8330-6160-D8B6D5FA87F6}"/>
               </a:ext>
             </a:extLst>
           </p:cNvPr>
@@ -2196,7 +2196,7 @@
           <p:cNvPr id="3" name="内容占位符 2">
             <a:extLst>
               <a:ext uri="{FF2B5EF4-FFF2-40B4-BE49-F238E27FC236}">
-                <a16:creationId xmlns:a16="http://schemas.microsoft.com/office/drawing/2014/main" id="{A178F3AD-5EFF-8B9D-9EE2-F6BB82CB171A}"/>
+                <a16:creationId xmlns:a16="http://schemas.microsoft.com/office/drawing/2014/main" id="{509C8D43-F323-FDF1-353B-1A8D452F409D}"/>
               </a:ext>
             </a:extLst>
           </p:cNvPr>
@@ -2286,7 +2286,7 @@
           <p:cNvPr id="4" name="文本占位符 3">
             <a:extLst>
               <a:ext uri="{FF2B5EF4-FFF2-40B4-BE49-F238E27FC236}">
-                <a16:creationId xmlns:a16="http://schemas.microsoft.com/office/drawing/2014/main" id="{3D3CF122-7009-F0CE-28E9-491EF9BF904C}"/>
+                <a16:creationId xmlns:a16="http://schemas.microsoft.com/office/drawing/2014/main" id="{A343758E-F08E-763F-51EE-E1145FA4102E}"/>
               </a:ext>
             </a:extLst>
           </p:cNvPr>
@@ -2357,7 +2357,7 @@
           <p:cNvPr id="5" name="日期占位符 4">
             <a:extLst>
               <a:ext uri="{FF2B5EF4-FFF2-40B4-BE49-F238E27FC236}">
-                <a16:creationId xmlns:a16="http://schemas.microsoft.com/office/drawing/2014/main" id="{D38AD964-C02C-0881-748C-F39E33BB1FE8}"/>
+                <a16:creationId xmlns:a16="http://schemas.microsoft.com/office/drawing/2014/main" id="{2528710B-EF39-4431-45D9-27408F8B3488}"/>
               </a:ext>
             </a:extLst>
           </p:cNvPr>
@@ -2373,7 +2373,7 @@
           <a:bodyPr/>
           <a:lstStyle/>
           <a:p>
-            <a:fld id="{1DDBB16F-8B49-4BCA-A44B-073A1A672A47}" type="datetimeFigureOut">
+            <a:fld id="{1ED8277E-B9DE-4E3C-B8D7-9630211A168C}" type="datetimeFigureOut">
               <a:rPr lang="zh-CN" altLang="en-US" smtClean="0"/>
               <a:t>2024/3/10</a:t>
             </a:fld>
@@ -2386,7 +2386,7 @@
           <p:cNvPr id="6" name="页脚占位符 5">
             <a:extLst>
               <a:ext uri="{FF2B5EF4-FFF2-40B4-BE49-F238E27FC236}">
-                <a16:creationId xmlns:a16="http://schemas.microsoft.com/office/drawing/2014/main" id="{9D26A983-291C-38F0-C267-689640F8BD13}"/>
+                <a16:creationId xmlns:a16="http://schemas.microsoft.com/office/drawing/2014/main" id="{F13C4CFF-E92D-025A-354E-B82516EE6735}"/>
               </a:ext>
             </a:extLst>
           </p:cNvPr>
@@ -2411,7 +2411,7 @@
           <p:cNvPr id="7" name="灯片编号占位符 6">
             <a:extLst>
               <a:ext uri="{FF2B5EF4-FFF2-40B4-BE49-F238E27FC236}">
-                <a16:creationId xmlns:a16="http://schemas.microsoft.com/office/drawing/2014/main" id="{64E458A8-62BA-9564-182D-4EDB5A7B906D}"/>
+                <a16:creationId xmlns:a16="http://schemas.microsoft.com/office/drawing/2014/main" id="{BAB29CAF-A5CB-DC2C-0161-C2CE8C3A7316}"/>
               </a:ext>
             </a:extLst>
           </p:cNvPr>
@@ -2427,7 +2427,7 @@
           <a:bodyPr/>
           <a:lstStyle/>
           <a:p>
-            <a:fld id="{9A144469-7D69-4B8F-849F-A73389525775}" type="slidenum">
+            <a:fld id="{3FA56C86-D270-4287-8A30-5136B0F84357}" type="slidenum">
               <a:rPr lang="zh-CN" altLang="en-US" smtClean="0"/>
               <a:t>‹#›</a:t>
             </a:fld>
@@ -2438,7 +2438,7 @@
     </p:spTree>
     <p:extLst>
       <p:ext uri="{BB962C8B-B14F-4D97-AF65-F5344CB8AC3E}">
-        <p14:creationId xmlns:p14="http://schemas.microsoft.com/office/powerpoint/2010/main" val="285303448"/>
+        <p14:creationId xmlns:p14="http://schemas.microsoft.com/office/powerpoint/2010/main" val="2601640907"/>
       </p:ext>
     </p:extLst>
   </p:cSld>
@@ -2470,7 +2470,7 @@
           <p:cNvPr id="2" name="标题 1">
             <a:extLst>
               <a:ext uri="{FF2B5EF4-FFF2-40B4-BE49-F238E27FC236}">
-                <a16:creationId xmlns:a16="http://schemas.microsoft.com/office/drawing/2014/main" id="{87DD801A-1A7B-E4DE-998B-9D212D983399}"/>
+                <a16:creationId xmlns:a16="http://schemas.microsoft.com/office/drawing/2014/main" id="{CB8B6E5B-FE0B-5940-B5D7-92D9FCBC6025}"/>
               </a:ext>
             </a:extLst>
           </p:cNvPr>
@@ -2507,7 +2507,7 @@
           <p:cNvPr id="3" name="图片占位符 2">
             <a:extLst>
               <a:ext uri="{FF2B5EF4-FFF2-40B4-BE49-F238E27FC236}">
-                <a16:creationId xmlns:a16="http://schemas.microsoft.com/office/drawing/2014/main" id="{6B1091CE-2061-9A4E-85D2-93268FC525E5}"/>
+                <a16:creationId xmlns:a16="http://schemas.microsoft.com/office/drawing/2014/main" id="{E650283C-A51F-70EB-3489-00B9863DF8A4}"/>
               </a:ext>
             </a:extLst>
           </p:cNvPr>
@@ -2574,7 +2574,7 @@
           <p:cNvPr id="4" name="文本占位符 3">
             <a:extLst>
               <a:ext uri="{FF2B5EF4-FFF2-40B4-BE49-F238E27FC236}">
-                <a16:creationId xmlns:a16="http://schemas.microsoft.com/office/drawing/2014/main" id="{7422FEBF-AE14-8B03-6D32-A459889EFDD6}"/>
+                <a16:creationId xmlns:a16="http://schemas.microsoft.com/office/drawing/2014/main" id="{020739C4-EA6C-4B0C-1A4F-4D62EC443A16}"/>
               </a:ext>
             </a:extLst>
           </p:cNvPr>
@@ -2645,7 +2645,7 @@
           <p:cNvPr id="5" name="日期占位符 4">
             <a:extLst>
               <a:ext uri="{FF2B5EF4-FFF2-40B4-BE49-F238E27FC236}">
-                <a16:creationId xmlns:a16="http://schemas.microsoft.com/office/drawing/2014/main" id="{FC9DC10B-062D-987C-E6C1-6A9EB34C55BF}"/>
+                <a16:creationId xmlns:a16="http://schemas.microsoft.com/office/drawing/2014/main" id="{F0E66319-9B80-A6F6-6E2B-8617D2EC3F56}"/>
               </a:ext>
             </a:extLst>
           </p:cNvPr>
@@ -2661,7 +2661,7 @@
           <a:bodyPr/>
           <a:lstStyle/>
           <a:p>
-            <a:fld id="{1DDBB16F-8B49-4BCA-A44B-073A1A672A47}" type="datetimeFigureOut">
+            <a:fld id="{1ED8277E-B9DE-4E3C-B8D7-9630211A168C}" type="datetimeFigureOut">
               <a:rPr lang="zh-CN" altLang="en-US" smtClean="0"/>
               <a:t>2024/3/10</a:t>
             </a:fld>
@@ -2674,7 +2674,7 @@
           <p:cNvPr id="6" name="页脚占位符 5">
             <a:extLst>
               <a:ext uri="{FF2B5EF4-FFF2-40B4-BE49-F238E27FC236}">
-                <a16:creationId xmlns:a16="http://schemas.microsoft.com/office/drawing/2014/main" id="{C32448FB-6A24-CE4D-4095-FDF6CDE0AAA1}"/>
+                <a16:creationId xmlns:a16="http://schemas.microsoft.com/office/drawing/2014/main" id="{5E7226F4-9EFD-EB8B-E24E-9E7C05CFB565}"/>
               </a:ext>
             </a:extLst>
           </p:cNvPr>
@@ -2699,7 +2699,7 @@
           <p:cNvPr id="7" name="灯片编号占位符 6">
             <a:extLst>
               <a:ext uri="{FF2B5EF4-FFF2-40B4-BE49-F238E27FC236}">
-                <a16:creationId xmlns:a16="http://schemas.microsoft.com/office/drawing/2014/main" id="{4957C91B-7630-55B8-590C-FA4CB47F9C3D}"/>
+                <a16:creationId xmlns:a16="http://schemas.microsoft.com/office/drawing/2014/main" id="{614F6555-1AA7-9EF4-F846-2966D7106E13}"/>
               </a:ext>
             </a:extLst>
           </p:cNvPr>
@@ -2715,7 +2715,7 @@
           <a:bodyPr/>
           <a:lstStyle/>
           <a:p>
-            <a:fld id="{9A144469-7D69-4B8F-849F-A73389525775}" type="slidenum">
+            <a:fld id="{3FA56C86-D270-4287-8A30-5136B0F84357}" type="slidenum">
               <a:rPr lang="zh-CN" altLang="en-US" smtClean="0"/>
               <a:t>‹#›</a:t>
             </a:fld>
@@ -2726,7 +2726,7 @@
     </p:spTree>
     <p:extLst>
       <p:ext uri="{BB962C8B-B14F-4D97-AF65-F5344CB8AC3E}">
-        <p14:creationId xmlns:p14="http://schemas.microsoft.com/office/powerpoint/2010/main" val="1459090220"/>
+        <p14:creationId xmlns:p14="http://schemas.microsoft.com/office/powerpoint/2010/main" val="3262836913"/>
       </p:ext>
     </p:extLst>
   </p:cSld>
@@ -2763,7 +2763,7 @@
           <p:cNvPr id="2" name="标题占位符 1">
             <a:extLst>
               <a:ext uri="{FF2B5EF4-FFF2-40B4-BE49-F238E27FC236}">
-                <a16:creationId xmlns:a16="http://schemas.microsoft.com/office/drawing/2014/main" id="{FD0E082E-69D4-9332-7350-798C7C7FF811}"/>
+                <a16:creationId xmlns:a16="http://schemas.microsoft.com/office/drawing/2014/main" id="{83342242-E988-4501-65C6-839B2146F567}"/>
               </a:ext>
             </a:extLst>
           </p:cNvPr>
@@ -2801,7 +2801,7 @@
           <p:cNvPr id="3" name="文本占位符 2">
             <a:extLst>
               <a:ext uri="{FF2B5EF4-FFF2-40B4-BE49-F238E27FC236}">
-                <a16:creationId xmlns:a16="http://schemas.microsoft.com/office/drawing/2014/main" id="{34DF581A-A2A5-46CA-436C-E860A56CD742}"/>
+                <a16:creationId xmlns:a16="http://schemas.microsoft.com/office/drawing/2014/main" id="{C816A069-FC31-7BE1-4006-08785A978DFD}"/>
               </a:ext>
             </a:extLst>
           </p:cNvPr>
@@ -2868,7 +2868,7 @@
           <p:cNvPr id="4" name="日期占位符 3">
             <a:extLst>
               <a:ext uri="{FF2B5EF4-FFF2-40B4-BE49-F238E27FC236}">
-                <a16:creationId xmlns:a16="http://schemas.microsoft.com/office/drawing/2014/main" id="{C3E1A6FF-9844-5CEF-E35B-AF45AFD761C7}"/>
+                <a16:creationId xmlns:a16="http://schemas.microsoft.com/office/drawing/2014/main" id="{1226C007-BD68-6FBB-036A-578C64340851}"/>
               </a:ext>
             </a:extLst>
           </p:cNvPr>
@@ -2902,7 +2902,7 @@
             </a:lvl1pPr>
           </a:lstStyle>
           <a:p>
-            <a:fld id="{1DDBB16F-8B49-4BCA-A44B-073A1A672A47}" type="datetimeFigureOut">
+            <a:fld id="{1ED8277E-B9DE-4E3C-B8D7-9630211A168C}" type="datetimeFigureOut">
               <a:rPr lang="zh-CN" altLang="en-US" smtClean="0"/>
               <a:t>2024/3/10</a:t>
             </a:fld>
@@ -2915,7 +2915,7 @@
           <p:cNvPr id="5" name="页脚占位符 4">
             <a:extLst>
               <a:ext uri="{FF2B5EF4-FFF2-40B4-BE49-F238E27FC236}">
-                <a16:creationId xmlns:a16="http://schemas.microsoft.com/office/drawing/2014/main" id="{6816BB11-C261-3396-CE03-39F83B26E4C6}"/>
+                <a16:creationId xmlns:a16="http://schemas.microsoft.com/office/drawing/2014/main" id="{B6376877-E52F-922C-032C-571F3C45800A}"/>
               </a:ext>
             </a:extLst>
           </p:cNvPr>
@@ -2958,7 +2958,7 @@
           <p:cNvPr id="6" name="灯片编号占位符 5">
             <a:extLst>
               <a:ext uri="{FF2B5EF4-FFF2-40B4-BE49-F238E27FC236}">
-                <a16:creationId xmlns:a16="http://schemas.microsoft.com/office/drawing/2014/main" id="{D498664C-DAAC-F1D7-37A4-9983C8FCD85C}"/>
+                <a16:creationId xmlns:a16="http://schemas.microsoft.com/office/drawing/2014/main" id="{BA3EE15C-1FC4-C1DD-68A8-8D3E06CE1757}"/>
               </a:ext>
             </a:extLst>
           </p:cNvPr>
@@ -2992,7 +2992,7 @@
             </a:lvl1pPr>
           </a:lstStyle>
           <a:p>
-            <a:fld id="{9A144469-7D69-4B8F-849F-A73389525775}" type="slidenum">
+            <a:fld id="{3FA56C86-D270-4287-8A30-5136B0F84357}" type="slidenum">
               <a:rPr lang="zh-CN" altLang="en-US" smtClean="0"/>
               <a:t>‹#›</a:t>
             </a:fld>
@@ -3003,7 +3003,7 @@
     </p:spTree>
     <p:extLst>
       <p:ext uri="{BB962C8B-B14F-4D97-AF65-F5344CB8AC3E}">
-        <p14:creationId xmlns:p14="http://schemas.microsoft.com/office/powerpoint/2010/main" val="646343103"/>
+        <p14:creationId xmlns:p14="http://schemas.microsoft.com/office/powerpoint/2010/main" val="2286365147"/>
       </p:ext>
     </p:extLst>
   </p:cSld>
